--- a/OOSD/Week 11/S2. Code Smells, Anti-Patterns and Refactoring.pptx
+++ b/OOSD/Week 11/S2. Code Smells, Anti-Patterns and Refactoring.pptx
@@ -218,7 +218,7 @@
           <a:p>
             <a:fld id="{5C15C721-1CBE-9B49-BE99-3A9DF18FA391}" type="datetimeFigureOut">
               <a:rPr lang="en-US" smtClean="0"/>
-              <a:t>5/15/19</a:t>
+              <a:t>6/10/19</a:t>
             </a:fld>
             <a:endParaRPr lang="en-US"/>
           </a:p>
@@ -2136,7 +2136,6 @@
               <a:rPr lang="en-US" b="0" baseline="0" dirty="0" smtClean="0"/>
               <a:t>Unit tests still pass</a:t>
             </a:r>
-            <a:endParaRPr lang="en-US" b="0" baseline="0" dirty="0" smtClean="0"/>
           </a:p>
         </p:txBody>
       </p:sp>
@@ -2413,7 +2412,7 @@
           <a:p>
             <a:fld id="{BD4CA122-8521-6D44-9B67-558DC60F8753}" type="datetimeFigureOut">
               <a:rPr lang="en-US" smtClean="0"/>
-              <a:t>5/15/19</a:t>
+              <a:t>6/10/19</a:t>
             </a:fld>
             <a:endParaRPr lang="en-US"/>
           </a:p>
@@ -2583,7 +2582,7 @@
           <a:p>
             <a:fld id="{BD4CA122-8521-6D44-9B67-558DC60F8753}" type="datetimeFigureOut">
               <a:rPr lang="en-US" smtClean="0"/>
-              <a:t>5/15/19</a:t>
+              <a:t>6/10/19</a:t>
             </a:fld>
             <a:endParaRPr lang="en-US"/>
           </a:p>
@@ -2763,7 +2762,7 @@
           <a:p>
             <a:fld id="{BD4CA122-8521-6D44-9B67-558DC60F8753}" type="datetimeFigureOut">
               <a:rPr lang="en-US" smtClean="0"/>
-              <a:t>5/15/19</a:t>
+              <a:t>6/10/19</a:t>
             </a:fld>
             <a:endParaRPr lang="en-US"/>
           </a:p>
@@ -2933,7 +2932,7 @@
           <a:p>
             <a:fld id="{BD4CA122-8521-6D44-9B67-558DC60F8753}" type="datetimeFigureOut">
               <a:rPr lang="en-US" smtClean="0"/>
-              <a:t>5/15/19</a:t>
+              <a:t>6/10/19</a:t>
             </a:fld>
             <a:endParaRPr lang="en-US"/>
           </a:p>
@@ -3179,7 +3178,7 @@
           <a:p>
             <a:fld id="{BD4CA122-8521-6D44-9B67-558DC60F8753}" type="datetimeFigureOut">
               <a:rPr lang="en-US" smtClean="0"/>
-              <a:t>5/15/19</a:t>
+              <a:t>6/10/19</a:t>
             </a:fld>
             <a:endParaRPr lang="en-US"/>
           </a:p>
@@ -3411,7 +3410,7 @@
           <a:p>
             <a:fld id="{BD4CA122-8521-6D44-9B67-558DC60F8753}" type="datetimeFigureOut">
               <a:rPr lang="en-US" smtClean="0"/>
-              <a:t>5/15/19</a:t>
+              <a:t>6/10/19</a:t>
             </a:fld>
             <a:endParaRPr lang="en-US"/>
           </a:p>
@@ -3778,7 +3777,7 @@
           <a:p>
             <a:fld id="{BD4CA122-8521-6D44-9B67-558DC60F8753}" type="datetimeFigureOut">
               <a:rPr lang="en-US" smtClean="0"/>
-              <a:t>5/15/19</a:t>
+              <a:t>6/10/19</a:t>
             </a:fld>
             <a:endParaRPr lang="en-US"/>
           </a:p>
@@ -3896,7 +3895,7 @@
           <a:p>
             <a:fld id="{BD4CA122-8521-6D44-9B67-558DC60F8753}" type="datetimeFigureOut">
               <a:rPr lang="en-US" smtClean="0"/>
-              <a:t>5/15/19</a:t>
+              <a:t>6/10/19</a:t>
             </a:fld>
             <a:endParaRPr lang="en-US"/>
           </a:p>
@@ -3991,7 +3990,7 @@
           <a:p>
             <a:fld id="{BD4CA122-8521-6D44-9B67-558DC60F8753}" type="datetimeFigureOut">
               <a:rPr lang="en-US" smtClean="0"/>
-              <a:t>5/15/19</a:t>
+              <a:t>6/10/19</a:t>
             </a:fld>
             <a:endParaRPr lang="en-US"/>
           </a:p>
@@ -4268,7 +4267,7 @@
           <a:p>
             <a:fld id="{BD4CA122-8521-6D44-9B67-558DC60F8753}" type="datetimeFigureOut">
               <a:rPr lang="en-US" smtClean="0"/>
-              <a:t>5/15/19</a:t>
+              <a:t>6/10/19</a:t>
             </a:fld>
             <a:endParaRPr lang="en-US"/>
           </a:p>
@@ -4521,7 +4520,7 @@
           <a:p>
             <a:fld id="{BD4CA122-8521-6D44-9B67-558DC60F8753}" type="datetimeFigureOut">
               <a:rPr lang="en-US" smtClean="0"/>
-              <a:t>5/15/19</a:t>
+              <a:t>6/10/19</a:t>
             </a:fld>
             <a:endParaRPr lang="en-US"/>
           </a:p>
@@ -4734,7 +4733,7 @@
           <a:p>
             <a:fld id="{BD4CA122-8521-6D44-9B67-558DC60F8753}" type="datetimeFigureOut">
               <a:rPr lang="en-US" smtClean="0"/>
-              <a:t>5/15/19</a:t>
+              <a:t>6/10/19</a:t>
             </a:fld>
             <a:endParaRPr lang="en-US"/>
           </a:p>
@@ -5174,8 +5173,12 @@
           <a:p>
             <a:pPr algn="ctr"/>
             <a:r>
+              <a:rPr lang="en-US" sz="3800" b="1" smtClean="0"/>
+              <a:t>Object-Oriented </a:t>
+            </a:r>
+            <a:r>
               <a:rPr lang="en-US" sz="3800" b="1" dirty="0" smtClean="0"/>
-              <a:t>Object Oriented System Development</a:t>
+              <a:t>System Development</a:t>
             </a:r>
             <a:endParaRPr lang="en-US" sz="3800" b="1" dirty="0"/>
           </a:p>
@@ -5318,7 +5321,6 @@
               <a:rPr lang="en-US" sz="3800" b="1" dirty="0" smtClean="0"/>
               <a:t> subclass </a:t>
             </a:r>
-            <a:endParaRPr lang="en-US" sz="3800" b="1" dirty="0" smtClean="0"/>
           </a:p>
         </p:txBody>
       </p:sp>
@@ -5469,7 +5471,6 @@
               <a:rPr lang="en-US" sz="3800" b="1" dirty="0" smtClean="0"/>
               <a:t> super class</a:t>
             </a:r>
-            <a:endParaRPr lang="en-US" sz="3800" b="1" dirty="0" smtClean="0"/>
           </a:p>
         </p:txBody>
       </p:sp>
@@ -5612,7 +5613,6 @@
               <a:rPr lang="en-US" sz="3800" b="1" dirty="0" smtClean="0"/>
               <a:t>Next week</a:t>
             </a:r>
-            <a:endParaRPr lang="en-US" sz="3800" b="1" dirty="0" smtClean="0"/>
           </a:p>
           <a:p>
             <a:endParaRPr lang="en-US" sz="3800" b="1" dirty="0"/>
@@ -5636,7 +5636,6 @@
               <a:rPr lang="en-US" sz="2500" dirty="0" smtClean="0"/>
               <a:t>Lab marks will be returned at the next session</a:t>
             </a:r>
-            <a:endParaRPr lang="en-US" sz="2500" dirty="0" smtClean="0"/>
           </a:p>
         </p:txBody>
       </p:sp>
@@ -5753,7 +5752,6 @@
               <a:rPr lang="en-US" sz="3800" b="1" dirty="0" smtClean="0"/>
               <a:t>ad code smells</a:t>
             </a:r>
-            <a:endParaRPr lang="en-US" sz="3800" b="1" dirty="0" smtClean="0"/>
           </a:p>
           <a:p>
             <a:endParaRPr lang="en-US" sz="3800" b="1" dirty="0"/>
@@ -5787,7 +5785,6 @@
               <a:rPr lang="en-US" sz="2500" dirty="0" smtClean="0"/>
               <a:t>Method-level smells</a:t>
             </a:r>
-            <a:endParaRPr lang="en-US" sz="2500" dirty="0" smtClean="0"/>
           </a:p>
         </p:txBody>
       </p:sp>
@@ -5900,7 +5897,6 @@
               <a:rPr lang="en-US" sz="3800" b="1" dirty="0" smtClean="0"/>
               <a:t>Application-level smells</a:t>
             </a:r>
-            <a:endParaRPr lang="en-US" sz="3800" b="1" dirty="0" smtClean="0"/>
           </a:p>
           <a:p>
             <a:endParaRPr lang="en-US" sz="3800" b="1" dirty="0"/>
@@ -6071,7 +6067,6 @@
               <a:rPr lang="en-US" sz="3800" b="1" dirty="0" smtClean="0"/>
               <a:t>Class-level smells</a:t>
             </a:r>
-            <a:endParaRPr lang="en-US" sz="3800" b="1" dirty="0" smtClean="0"/>
           </a:p>
           <a:p>
             <a:endParaRPr lang="en-US" sz="3800" b="1" dirty="0"/>
@@ -6151,7 +6146,6 @@
               <a:rPr lang="en-US" sz="2500" dirty="0" smtClean="0"/>
               <a:t>Data clumps</a:t>
             </a:r>
-            <a:endParaRPr lang="en-US" sz="2500" dirty="0" smtClean="0"/>
           </a:p>
         </p:txBody>
       </p:sp>
@@ -6294,7 +6288,6 @@
               <a:rPr lang="en-US" sz="3800" b="1" dirty="0" smtClean="0"/>
               <a:t>Method-level smells</a:t>
             </a:r>
-            <a:endParaRPr lang="en-US" sz="3800" b="1" dirty="0" smtClean="0"/>
           </a:p>
           <a:p>
             <a:endParaRPr lang="en-US" sz="3800" b="1" dirty="0"/>
@@ -6375,7 +6368,6 @@
               <a:rPr lang="en-US" sz="2500" dirty="0" smtClean="0"/>
               <a:t>code/God line</a:t>
             </a:r>
-            <a:endParaRPr lang="en-US" sz="2500" dirty="0" smtClean="0"/>
           </a:p>
         </p:txBody>
       </p:sp>
@@ -6518,7 +6510,6 @@
               <a:rPr lang="en-US" sz="3800" b="1" dirty="0" smtClean="0"/>
               <a:t>Anti-patterns</a:t>
             </a:r>
-            <a:endParaRPr lang="en-US" sz="3800" b="1" dirty="0" smtClean="0"/>
           </a:p>
           <a:p>
             <a:endParaRPr lang="en-US" sz="3800" b="1" dirty="0"/>
@@ -6532,7 +6523,6 @@
               <a:rPr lang="en-US" sz="2500" dirty="0" smtClean="0"/>
               <a:t>Design patterns</a:t>
             </a:r>
-            <a:endParaRPr lang="en-US" sz="2500" dirty="0" smtClean="0"/>
           </a:p>
           <a:p>
             <a:pPr marL="1485900" lvl="2" indent="-571500">
@@ -6593,7 +6583,6 @@
               <a:rPr lang="en-US" sz="2500" dirty="0" smtClean="0"/>
               <a:t>Reinventing the square wheel</a:t>
             </a:r>
-            <a:endParaRPr lang="en-US" sz="2500" dirty="0" smtClean="0"/>
           </a:p>
         </p:txBody>
       </p:sp>
@@ -6706,7 +6695,6 @@
               <a:rPr lang="en-US" sz="3800" b="1" dirty="0" smtClean="0"/>
               <a:t>Refactoring</a:t>
             </a:r>
-            <a:endParaRPr lang="en-US" sz="3800" b="1" dirty="0" smtClean="0"/>
           </a:p>
           <a:p>
             <a:endParaRPr lang="en-US" sz="3800" b="1" dirty="0"/>
@@ -6730,7 +6718,6 @@
               <a:rPr lang="en-US" sz="2500" dirty="0" smtClean="0"/>
               <a:t>Make code readable and maintainable </a:t>
             </a:r>
-            <a:endParaRPr lang="en-US" sz="2500" dirty="0" smtClean="0"/>
           </a:p>
           <a:p>
             <a:pPr marL="1485900" lvl="2" indent="-571500">
@@ -6898,7 +6885,6 @@
               <a:rPr lang="en-US" sz="3800" b="1" dirty="0" smtClean="0"/>
               <a:t> class </a:t>
             </a:r>
-            <a:endParaRPr lang="en-US" sz="3800" b="1" dirty="0" smtClean="0"/>
           </a:p>
         </p:txBody>
       </p:sp>
@@ -6942,13 +6928,13 @@
   <p:clrMapOvr>
     <a:masterClrMapping/>
   </p:clrMapOvr>
-  <mc:AlternateContent xmlns:mc="http://schemas.openxmlformats.org/markup-compatibility/2006">
-    <mc:Choice xmlns:p14="http://schemas.microsoft.com/office/powerpoint/2010/main" Requires="p14">
+  <mc:AlternateContent xmlns:mc="http://schemas.openxmlformats.org/markup-compatibility/2006" xmlns:p14="http://schemas.microsoft.com/office/powerpoint/2010/main">
+    <mc:Choice Requires="p14">
       <p:transition spd="slow" p14:dur="3400" advTm="17407">
         <p14:reveal/>
       </p:transition>
     </mc:Choice>
-    <mc:Fallback>
+    <mc:Fallback xmlns="">
       <p:transition spd="slow" advTm="17407">
         <p:fade/>
       </p:transition>
